--- a/Documentos NETO/Documentos extras/Flujo.pptx
+++ b/Documentos NETO/Documentos extras/Flujo.pptx
@@ -104,6 +104,11 @@
       </a:defRPr>
     </a:lvl9pPr>
   </p:defaultTextStyle>
+  <p:extLst>
+    <p:ext uri="{EFAFB233-063F-42B5-8137-9DF3F51BA10A}">
+      <p15:sldGuideLst xmlns:p15="http://schemas.microsoft.com/office/powerpoint/2012/main"/>
+    </p:ext>
+  </p:extLst>
 </p:presentation>
 </file>
 
@@ -238,7 +243,7 @@
           <a:p>
             <a:fld id="{A771FA7D-9E20-44EB-8406-8E690032356D}" type="datetimeFigureOut">
               <a:rPr lang="es-ES" smtClean="0"/>
-              <a:t>09/01/2022</a:t>
+              <a:t>19/03/2022</a:t>
             </a:fld>
             <a:endParaRPr lang="es-ES"/>
           </a:p>
@@ -408,7 +413,7 @@
           <a:p>
             <a:fld id="{A771FA7D-9E20-44EB-8406-8E690032356D}" type="datetimeFigureOut">
               <a:rPr lang="es-ES" smtClean="0"/>
-              <a:t>09/01/2022</a:t>
+              <a:t>19/03/2022</a:t>
             </a:fld>
             <a:endParaRPr lang="es-ES"/>
           </a:p>
@@ -588,7 +593,7 @@
           <a:p>
             <a:fld id="{A771FA7D-9E20-44EB-8406-8E690032356D}" type="datetimeFigureOut">
               <a:rPr lang="es-ES" smtClean="0"/>
-              <a:t>09/01/2022</a:t>
+              <a:t>19/03/2022</a:t>
             </a:fld>
             <a:endParaRPr lang="es-ES"/>
           </a:p>
@@ -758,7 +763,7 @@
           <a:p>
             <a:fld id="{A771FA7D-9E20-44EB-8406-8E690032356D}" type="datetimeFigureOut">
               <a:rPr lang="es-ES" smtClean="0"/>
-              <a:t>09/01/2022</a:t>
+              <a:t>19/03/2022</a:t>
             </a:fld>
             <a:endParaRPr lang="es-ES"/>
           </a:p>
@@ -1004,7 +1009,7 @@
           <a:p>
             <a:fld id="{A771FA7D-9E20-44EB-8406-8E690032356D}" type="datetimeFigureOut">
               <a:rPr lang="es-ES" smtClean="0"/>
-              <a:t>09/01/2022</a:t>
+              <a:t>19/03/2022</a:t>
             </a:fld>
             <a:endParaRPr lang="es-ES"/>
           </a:p>
@@ -1236,7 +1241,7 @@
           <a:p>
             <a:fld id="{A771FA7D-9E20-44EB-8406-8E690032356D}" type="datetimeFigureOut">
               <a:rPr lang="es-ES" smtClean="0"/>
-              <a:t>09/01/2022</a:t>
+              <a:t>19/03/2022</a:t>
             </a:fld>
             <a:endParaRPr lang="es-ES"/>
           </a:p>
@@ -1603,7 +1608,7 @@
           <a:p>
             <a:fld id="{A771FA7D-9E20-44EB-8406-8E690032356D}" type="datetimeFigureOut">
               <a:rPr lang="es-ES" smtClean="0"/>
-              <a:t>09/01/2022</a:t>
+              <a:t>19/03/2022</a:t>
             </a:fld>
             <a:endParaRPr lang="es-ES"/>
           </a:p>
@@ -1721,7 +1726,7 @@
           <a:p>
             <a:fld id="{A771FA7D-9E20-44EB-8406-8E690032356D}" type="datetimeFigureOut">
               <a:rPr lang="es-ES" smtClean="0"/>
-              <a:t>09/01/2022</a:t>
+              <a:t>19/03/2022</a:t>
             </a:fld>
             <a:endParaRPr lang="es-ES"/>
           </a:p>
@@ -1816,7 +1821,7 @@
           <a:p>
             <a:fld id="{A771FA7D-9E20-44EB-8406-8E690032356D}" type="datetimeFigureOut">
               <a:rPr lang="es-ES" smtClean="0"/>
-              <a:t>09/01/2022</a:t>
+              <a:t>19/03/2022</a:t>
             </a:fld>
             <a:endParaRPr lang="es-ES"/>
           </a:p>
@@ -2093,7 +2098,7 @@
           <a:p>
             <a:fld id="{A771FA7D-9E20-44EB-8406-8E690032356D}" type="datetimeFigureOut">
               <a:rPr lang="es-ES" smtClean="0"/>
-              <a:t>09/01/2022</a:t>
+              <a:t>19/03/2022</a:t>
             </a:fld>
             <a:endParaRPr lang="es-ES"/>
           </a:p>
@@ -2346,7 +2351,7 @@
           <a:p>
             <a:fld id="{A771FA7D-9E20-44EB-8406-8E690032356D}" type="datetimeFigureOut">
               <a:rPr lang="es-ES" smtClean="0"/>
-              <a:t>09/01/2022</a:t>
+              <a:t>19/03/2022</a:t>
             </a:fld>
             <a:endParaRPr lang="es-ES"/>
           </a:p>
@@ -2559,7 +2564,7 @@
           <a:p>
             <a:fld id="{A771FA7D-9E20-44EB-8406-8E690032356D}" type="datetimeFigureOut">
               <a:rPr lang="es-ES" smtClean="0"/>
-              <a:t>09/01/2022</a:t>
+              <a:t>19/03/2022</a:t>
             </a:fld>
             <a:endParaRPr lang="es-ES"/>
           </a:p>
@@ -3113,10 +3118,10 @@
         </p:nvGrpSpPr>
         <p:grpSpPr>
           <a:xfrm>
-            <a:off x="3486926" y="1175657"/>
-            <a:ext cx="1724297" cy="1129121"/>
-            <a:chOff x="3486926" y="1175657"/>
-            <a:chExt cx="1724297" cy="1129121"/>
+            <a:off x="3395653" y="1175657"/>
+            <a:ext cx="1883062" cy="1129121"/>
+            <a:chOff x="3395653" y="1175657"/>
+            <a:chExt cx="1883062" cy="1129121"/>
           </a:xfrm>
         </p:grpSpPr>
         <p:sp>
@@ -3177,8 +3182,8 @@
           </p:nvSpPr>
           <p:spPr>
             <a:xfrm>
-              <a:off x="3808685" y="1550442"/>
-              <a:ext cx="1120819" cy="379549"/>
+              <a:off x="3395653" y="1537501"/>
+              <a:ext cx="1883062" cy="369332"/>
             </a:xfrm>
             <a:prstGeom prst="rect">
               <a:avLst/>
@@ -3194,7 +3199,7 @@
               <a:pPr algn="ctr"/>
               <a:r>
                 <a:rPr lang="es-ES" b="1" dirty="0" smtClean="0"/>
-                <a:t>SISTEMA</a:t>
+                <a:t>SGCA</a:t>
               </a:r>
               <a:endParaRPr lang="es-ES" b="1" dirty="0"/>
             </a:p>
